--- a/Documentos/Diagrama de clases final.pptx
+++ b/Documentos/Diagrama de clases final.pptx
@@ -243,7 +243,7 @@
           <a:p>
             <a:fld id="{DFF6E411-1240-43E2-8FE5-67D8D08C0291}" type="datetimeFigureOut">
               <a:rPr lang="es-CO" smtClean="0"/>
-              <a:t>13/07/2025</a:t>
+              <a:t>14/07/2025</a:t>
             </a:fld>
             <a:endParaRPr lang="es-CO"/>
           </a:p>
@@ -413,7 +413,7 @@
           <a:p>
             <a:fld id="{DFF6E411-1240-43E2-8FE5-67D8D08C0291}" type="datetimeFigureOut">
               <a:rPr lang="es-CO" smtClean="0"/>
-              <a:t>13/07/2025</a:t>
+              <a:t>14/07/2025</a:t>
             </a:fld>
             <a:endParaRPr lang="es-CO"/>
           </a:p>
@@ -593,7 +593,7 @@
           <a:p>
             <a:fld id="{DFF6E411-1240-43E2-8FE5-67D8D08C0291}" type="datetimeFigureOut">
               <a:rPr lang="es-CO" smtClean="0"/>
-              <a:t>13/07/2025</a:t>
+              <a:t>14/07/2025</a:t>
             </a:fld>
             <a:endParaRPr lang="es-CO"/>
           </a:p>
@@ -763,7 +763,7 @@
           <a:p>
             <a:fld id="{DFF6E411-1240-43E2-8FE5-67D8D08C0291}" type="datetimeFigureOut">
               <a:rPr lang="es-CO" smtClean="0"/>
-              <a:t>13/07/2025</a:t>
+              <a:t>14/07/2025</a:t>
             </a:fld>
             <a:endParaRPr lang="es-CO"/>
           </a:p>
@@ -1009,7 +1009,7 @@
           <a:p>
             <a:fld id="{DFF6E411-1240-43E2-8FE5-67D8D08C0291}" type="datetimeFigureOut">
               <a:rPr lang="es-CO" smtClean="0"/>
-              <a:t>13/07/2025</a:t>
+              <a:t>14/07/2025</a:t>
             </a:fld>
             <a:endParaRPr lang="es-CO"/>
           </a:p>
@@ -1241,7 +1241,7 @@
           <a:p>
             <a:fld id="{DFF6E411-1240-43E2-8FE5-67D8D08C0291}" type="datetimeFigureOut">
               <a:rPr lang="es-CO" smtClean="0"/>
-              <a:t>13/07/2025</a:t>
+              <a:t>14/07/2025</a:t>
             </a:fld>
             <a:endParaRPr lang="es-CO"/>
           </a:p>
@@ -1608,7 +1608,7 @@
           <a:p>
             <a:fld id="{DFF6E411-1240-43E2-8FE5-67D8D08C0291}" type="datetimeFigureOut">
               <a:rPr lang="es-CO" smtClean="0"/>
-              <a:t>13/07/2025</a:t>
+              <a:t>14/07/2025</a:t>
             </a:fld>
             <a:endParaRPr lang="es-CO"/>
           </a:p>
@@ -1726,7 +1726,7 @@
           <a:p>
             <a:fld id="{DFF6E411-1240-43E2-8FE5-67D8D08C0291}" type="datetimeFigureOut">
               <a:rPr lang="es-CO" smtClean="0"/>
-              <a:t>13/07/2025</a:t>
+              <a:t>14/07/2025</a:t>
             </a:fld>
             <a:endParaRPr lang="es-CO"/>
           </a:p>
@@ -1821,7 +1821,7 @@
           <a:p>
             <a:fld id="{DFF6E411-1240-43E2-8FE5-67D8D08C0291}" type="datetimeFigureOut">
               <a:rPr lang="es-CO" smtClean="0"/>
-              <a:t>13/07/2025</a:t>
+              <a:t>14/07/2025</a:t>
             </a:fld>
             <a:endParaRPr lang="es-CO"/>
           </a:p>
@@ -2098,7 +2098,7 @@
           <a:p>
             <a:fld id="{DFF6E411-1240-43E2-8FE5-67D8D08C0291}" type="datetimeFigureOut">
               <a:rPr lang="es-CO" smtClean="0"/>
-              <a:t>13/07/2025</a:t>
+              <a:t>14/07/2025</a:t>
             </a:fld>
             <a:endParaRPr lang="es-CO"/>
           </a:p>
@@ -2355,7 +2355,7 @@
           <a:p>
             <a:fld id="{DFF6E411-1240-43E2-8FE5-67D8D08C0291}" type="datetimeFigureOut">
               <a:rPr lang="es-CO" smtClean="0"/>
-              <a:t>13/07/2025</a:t>
+              <a:t>14/07/2025</a:t>
             </a:fld>
             <a:endParaRPr lang="es-CO"/>
           </a:p>
@@ -2568,7 +2568,7 @@
           <a:p>
             <a:fld id="{DFF6E411-1240-43E2-8FE5-67D8D08C0291}" type="datetimeFigureOut">
               <a:rPr lang="es-CO" smtClean="0"/>
-              <a:t>13/07/2025</a:t>
+              <a:t>14/07/2025</a:t>
             </a:fld>
             <a:endParaRPr lang="es-CO"/>
           </a:p>
@@ -2988,7 +2988,7 @@
           <p:nvPr>
             <p:extLst>
               <p:ext uri="{D42A27DB-BD31-4B8C-83A1-F6EECF244321}">
-                <p14:modId xmlns:p14="http://schemas.microsoft.com/office/powerpoint/2010/main" val="2536015617"/>
+                <p14:modId xmlns:p14="http://schemas.microsoft.com/office/powerpoint/2010/main" val="4144468669"/>
               </p:ext>
             </p:extLst>
           </p:nvPr>
@@ -3042,7 +3042,7 @@
                     <a:p>
                       <a:r>
                         <a:rPr lang="es-CO" sz="1000" dirty="0"/>
-                        <a:t>- nombre: </a:t>
+                        <a:t># nombre: </a:t>
                       </a:r>
                       <a:r>
                         <a:rPr lang="es-CO" sz="1000" dirty="0" err="1"/>
@@ -3056,7 +3056,7 @@
                     <a:p>
                       <a:r>
                         <a:rPr lang="es-CO" sz="1000" dirty="0"/>
-                        <a:t>- </a:t>
+                        <a:t># </a:t>
                       </a:r>
                       <a:r>
                         <a:rPr lang="es-CO" sz="1000" dirty="0" err="1"/>
@@ -3075,7 +3075,7 @@
                     <a:p>
                       <a:r>
                         <a:rPr lang="es-CO" sz="1000" dirty="0"/>
-                        <a:t>- vida: </a:t>
+                        <a:t># vida: </a:t>
                       </a:r>
                       <a:r>
                         <a:rPr lang="es-CO" sz="1000" dirty="0" err="1"/>
@@ -3086,7 +3086,7 @@
                     <a:p>
                       <a:r>
                         <a:rPr lang="es-CO" sz="1000" dirty="0"/>
-                        <a:t>- </a:t>
+                        <a:t># </a:t>
                       </a:r>
                       <a:r>
                         <a:rPr lang="es-CO" sz="1000" dirty="0" err="1"/>
@@ -3105,7 +3105,7 @@
                     <a:p>
                       <a:r>
                         <a:rPr lang="es-CO" sz="1000" dirty="0"/>
-                        <a:t>- </a:t>
+                        <a:t># </a:t>
                       </a:r>
                       <a:r>
                         <a:rPr lang="es-CO" sz="1000" dirty="0" err="1"/>
@@ -3124,7 +3124,7 @@
                     <a:p>
                       <a:r>
                         <a:rPr lang="es-CO" sz="1000" dirty="0"/>
-                        <a:t>- </a:t>
+                        <a:t># </a:t>
                       </a:r>
                       <a:r>
                         <a:rPr lang="es-CO" sz="1000" dirty="0" err="1"/>
@@ -3143,7 +3143,7 @@
                     <a:p>
                       <a:r>
                         <a:rPr lang="es-CO" sz="1000" dirty="0"/>
-                        <a:t>- </a:t>
+                        <a:t># </a:t>
                       </a:r>
                       <a:r>
                         <a:rPr lang="es-CO" sz="1000" dirty="0" err="1"/>
@@ -3162,7 +3162,7 @@
                     <a:p>
                       <a:r>
                         <a:rPr lang="es-CO" sz="1000" dirty="0"/>
-                        <a:t>- </a:t>
+                        <a:t># </a:t>
                       </a:r>
                       <a:r>
                         <a:rPr lang="es-CO" sz="1000" dirty="0" err="1"/>
@@ -3181,7 +3181,7 @@
                     <a:p>
                       <a:r>
                         <a:rPr lang="es-CO" sz="1000" dirty="0"/>
-                        <a:t>- </a:t>
+                        <a:t># </a:t>
                       </a:r>
                       <a:r>
                         <a:rPr lang="es-CO" sz="1000" dirty="0" err="1"/>
@@ -3200,7 +3200,7 @@
                     <a:p>
                       <a:r>
                         <a:rPr lang="es-CO" sz="1000" dirty="0"/>
-                        <a:t>- </a:t>
+                        <a:t># </a:t>
                       </a:r>
                       <a:r>
                         <a:rPr lang="es-CO" sz="1000" dirty="0" err="1"/>
@@ -3219,7 +3219,7 @@
                     <a:p>
                       <a:r>
                         <a:rPr lang="es-CO" sz="1000" dirty="0"/>
-                        <a:t>- estado: </a:t>
+                        <a:t># estado: </a:t>
                       </a:r>
                       <a:r>
                         <a:rPr lang="es-CO" sz="1000" dirty="0" err="1"/>
@@ -3230,7 +3230,7 @@
                     <a:p>
                       <a:r>
                         <a:rPr lang="es-CO" sz="1000" dirty="0"/>
-                        <a:t>- </a:t>
+                        <a:t># </a:t>
                       </a:r>
                       <a:r>
                         <a:rPr lang="es-CO" sz="1000" dirty="0" err="1"/>
@@ -8355,14 +8355,14 @@
           <p:nvPr>
             <p:extLst>
               <p:ext uri="{D42A27DB-BD31-4B8C-83A1-F6EECF244321}">
-                <p14:modId xmlns:p14="http://schemas.microsoft.com/office/powerpoint/2010/main" val="486832622"/>
+                <p14:modId xmlns:p14="http://schemas.microsoft.com/office/powerpoint/2010/main" val="1077434636"/>
               </p:ext>
             </p:extLst>
           </p:nvPr>
         </p:nvGraphicFramePr>
         <p:xfrm>
           <a:off x="3904620" y="3695843"/>
-          <a:ext cx="2916093" cy="2175742"/>
+          <a:ext cx="2916093" cy="1955099"/>
         </p:xfrm>
         <a:graphic>
           <a:graphicData uri="http://schemas.openxmlformats.org/drawingml/2006/table">
@@ -8379,7 +8379,7 @@
                   </a:extLst>
                 </a:gridCol>
               </a:tblGrid>
-              <a:tr h="275729">
+              <a:tr h="234972">
                 <a:tc>
                   <a:txBody>
                     <a:bodyPr/>
@@ -8401,7 +8401,7 @@
                   </a:ext>
                 </a:extLst>
               </a:tr>
-              <a:tr h="500012">
+              <a:tr h="487024">
                 <a:tc>
                   <a:txBody>
                     <a:bodyPr/>
@@ -8493,7 +8493,7 @@
                   </a:ext>
                 </a:extLst>
               </a:tr>
-              <a:tr h="1328513">
+              <a:tr h="1132139">
                 <a:tc>
                   <a:txBody>
                     <a:bodyPr/>
